--- a/docs/diagrams/SearchCommandSequenceDiagram.pptx
+++ b/docs/diagrams/SearchCommandSequenceDiagram.pptx
@@ -208,7 +208,7 @@
           <a:p>
             <a:fld id="{F5CC4B3F-88C1-4FFA-B1B6-F41C21DC6924}" type="datetimeFigureOut">
               <a:rPr lang="en-US" smtClean="0"/>
-              <a:t>3/23/2018</a:t>
+              <a:t>3/29/2018</a:t>
             </a:fld>
             <a:endParaRPr lang="en-US"/>
           </a:p>
@@ -738,7 +738,7 @@
           <a:p>
             <a:fld id="{78C97017-6FC3-485B-9764-EAC9E56C1D49}" type="datetimeFigureOut">
               <a:rPr lang="en-US" smtClean="0"/>
-              <a:t>3/23/2018</a:t>
+              <a:t>3/29/2018</a:t>
             </a:fld>
             <a:endParaRPr lang="en-US"/>
           </a:p>
@@ -906,7 +906,7 @@
           <a:p>
             <a:fld id="{78C97017-6FC3-485B-9764-EAC9E56C1D49}" type="datetimeFigureOut">
               <a:rPr lang="en-US" smtClean="0"/>
-              <a:t>3/23/2018</a:t>
+              <a:t>3/29/2018</a:t>
             </a:fld>
             <a:endParaRPr lang="en-US"/>
           </a:p>
@@ -1084,7 +1084,7 @@
           <a:p>
             <a:fld id="{78C97017-6FC3-485B-9764-EAC9E56C1D49}" type="datetimeFigureOut">
               <a:rPr lang="en-US" smtClean="0"/>
-              <a:t>3/23/2018</a:t>
+              <a:t>3/29/2018</a:t>
             </a:fld>
             <a:endParaRPr lang="en-US"/>
           </a:p>
@@ -1252,7 +1252,7 @@
           <a:p>
             <a:fld id="{78C97017-6FC3-485B-9764-EAC9E56C1D49}" type="datetimeFigureOut">
               <a:rPr lang="en-US" smtClean="0"/>
-              <a:t>3/23/2018</a:t>
+              <a:t>3/29/2018</a:t>
             </a:fld>
             <a:endParaRPr lang="en-US"/>
           </a:p>
@@ -1497,7 +1497,7 @@
           <a:p>
             <a:fld id="{78C97017-6FC3-485B-9764-EAC9E56C1D49}" type="datetimeFigureOut">
               <a:rPr lang="en-US" smtClean="0"/>
-              <a:t>3/23/2018</a:t>
+              <a:t>3/29/2018</a:t>
             </a:fld>
             <a:endParaRPr lang="en-US"/>
           </a:p>
@@ -1782,7 +1782,7 @@
           <a:p>
             <a:fld id="{78C97017-6FC3-485B-9764-EAC9E56C1D49}" type="datetimeFigureOut">
               <a:rPr lang="en-US" smtClean="0"/>
-              <a:t>3/23/2018</a:t>
+              <a:t>3/29/2018</a:t>
             </a:fld>
             <a:endParaRPr lang="en-US"/>
           </a:p>
@@ -2201,7 +2201,7 @@
           <a:p>
             <a:fld id="{78C97017-6FC3-485B-9764-EAC9E56C1D49}" type="datetimeFigureOut">
               <a:rPr lang="en-US" smtClean="0"/>
-              <a:t>3/23/2018</a:t>
+              <a:t>3/29/2018</a:t>
             </a:fld>
             <a:endParaRPr lang="en-US"/>
           </a:p>
@@ -2318,7 +2318,7 @@
           <a:p>
             <a:fld id="{78C97017-6FC3-485B-9764-EAC9E56C1D49}" type="datetimeFigureOut">
               <a:rPr lang="en-US" smtClean="0"/>
-              <a:t>3/23/2018</a:t>
+              <a:t>3/29/2018</a:t>
             </a:fld>
             <a:endParaRPr lang="en-US"/>
           </a:p>
@@ -2413,7 +2413,7 @@
           <a:p>
             <a:fld id="{78C97017-6FC3-485B-9764-EAC9E56C1D49}" type="datetimeFigureOut">
               <a:rPr lang="en-US" smtClean="0"/>
-              <a:t>3/23/2018</a:t>
+              <a:t>3/29/2018</a:t>
             </a:fld>
             <a:endParaRPr lang="en-US"/>
           </a:p>
@@ -2688,7 +2688,7 @@
           <a:p>
             <a:fld id="{78C97017-6FC3-485B-9764-EAC9E56C1D49}" type="datetimeFigureOut">
               <a:rPr lang="en-US" smtClean="0"/>
-              <a:t>3/23/2018</a:t>
+              <a:t>3/29/2018</a:t>
             </a:fld>
             <a:endParaRPr lang="en-US"/>
           </a:p>
@@ -2940,7 +2940,7 @@
           <a:p>
             <a:fld id="{78C97017-6FC3-485B-9764-EAC9E56C1D49}" type="datetimeFigureOut">
               <a:rPr lang="en-US" smtClean="0"/>
-              <a:t>3/23/2018</a:t>
+              <a:t>3/29/2018</a:t>
             </a:fld>
             <a:endParaRPr lang="en-US"/>
           </a:p>
@@ -3151,7 +3151,7 @@
           <a:p>
             <a:fld id="{78C97017-6FC3-485B-9764-EAC9E56C1D49}" type="datetimeFigureOut">
               <a:rPr lang="en-US" smtClean="0"/>
-              <a:t>3/23/2018</a:t>
+              <a:t>3/29/2018</a:t>
             </a:fld>
             <a:endParaRPr lang="en-US"/>
           </a:p>
@@ -3534,7 +3534,7 @@
         </p:nvSpPr>
         <p:spPr>
           <a:xfrm>
-            <a:off x="735165" y="607926"/>
+            <a:off x="-255435" y="607926"/>
             <a:ext cx="1093635" cy="346760"/>
           </a:xfrm>
           <a:prstGeom prst="rect">
@@ -3595,8 +3595,8 @@
         </p:nvCxnSpPr>
         <p:spPr>
           <a:xfrm>
-            <a:off x="1281982" y="971597"/>
-            <a:ext cx="9578" cy="2457403"/>
+            <a:off x="291382" y="971597"/>
+            <a:ext cx="20578" cy="2762203"/>
           </a:xfrm>
           <a:prstGeom prst="line">
             <a:avLst/>
@@ -3632,8 +3632,8 @@
         </p:nvSpPr>
         <p:spPr>
           <a:xfrm>
-            <a:off x="1209973" y="1322291"/>
-            <a:ext cx="163175" cy="1825968"/>
+            <a:off x="219373" y="1322291"/>
+            <a:ext cx="171211" cy="2161010"/>
           </a:xfrm>
           <a:prstGeom prst="rect">
             <a:avLst/>
@@ -3683,7 +3683,7 @@
         </p:nvGrpSpPr>
         <p:grpSpPr>
           <a:xfrm>
-            <a:off x="152400" y="533400"/>
+            <a:off x="-838200" y="533400"/>
             <a:ext cx="324036" cy="573410"/>
             <a:chOff x="3239901" y="4149080"/>
             <a:chExt cx="648072" cy="1146820"/>
@@ -3900,7 +3900,7 @@
         </p:nvSpPr>
         <p:spPr>
           <a:xfrm>
-            <a:off x="2151676" y="607184"/>
+            <a:off x="1161076" y="607184"/>
             <a:ext cx="1530203" cy="346760"/>
           </a:xfrm>
           <a:prstGeom prst="rect">
@@ -3969,8 +3969,8 @@
         </p:nvCxnSpPr>
         <p:spPr>
           <a:xfrm flipH="1">
-            <a:off x="2954481" y="971597"/>
-            <a:ext cx="21161" cy="2362210"/>
+            <a:off x="1962857" y="971597"/>
+            <a:ext cx="22186" cy="2762203"/>
           </a:xfrm>
           <a:prstGeom prst="line">
             <a:avLst/>
@@ -4006,8 +4006,8 @@
         </p:nvSpPr>
         <p:spPr>
           <a:xfrm>
-            <a:off x="2887027" y="1426950"/>
-            <a:ext cx="134908" cy="1674099"/>
+            <a:off x="1896427" y="1426950"/>
+            <a:ext cx="131975" cy="2009870"/>
           </a:xfrm>
           <a:prstGeom prst="rect">
             <a:avLst/>
@@ -4054,14 +4054,13 @@
           <p:cNvPr id="23" name="Straight Arrow Connector 22"/>
           <p:cNvCxnSpPr>
             <a:cxnSpLocks/>
-            <a:endCxn id="6" idx="0"/>
           </p:cNvCxnSpPr>
           <p:nvPr/>
         </p:nvCxnSpPr>
         <p:spPr>
           <a:xfrm flipV="1">
-            <a:off x="466818" y="1322291"/>
-            <a:ext cx="824743" cy="3690"/>
+            <a:off x="-523782" y="1322291"/>
+            <a:ext cx="743155" cy="3690"/>
           </a:xfrm>
           <a:prstGeom prst="straightConnector1">
             <a:avLst/>
@@ -4096,7 +4095,7 @@
         </p:nvSpPr>
         <p:spPr>
           <a:xfrm>
-            <a:off x="466818" y="1345880"/>
+            <a:off x="-523782" y="1345880"/>
             <a:ext cx="860170" cy="430887"/>
           </a:xfrm>
           <a:prstGeom prst="rect">
@@ -4123,14 +4122,13 @@
           <p:cNvPr id="25" name="Straight Arrow Connector 24"/>
           <p:cNvCxnSpPr>
             <a:cxnSpLocks/>
-            <a:endCxn id="18" idx="0"/>
           </p:cNvCxnSpPr>
           <p:nvPr/>
         </p:nvCxnSpPr>
         <p:spPr>
           <a:xfrm flipV="1">
-            <a:off x="1348843" y="1426950"/>
-            <a:ext cx="1605638" cy="5192"/>
+            <a:off x="358243" y="1426950"/>
+            <a:ext cx="1538184" cy="5192"/>
           </a:xfrm>
           <a:prstGeom prst="straightConnector1">
             <a:avLst/>
@@ -4165,7 +4163,7 @@
         </p:nvSpPr>
         <p:spPr>
           <a:xfrm>
-            <a:off x="1524000" y="1426950"/>
+            <a:off x="552645" y="1456608"/>
             <a:ext cx="1424846" cy="430887"/>
           </a:xfrm>
           <a:prstGeom prst="rect">
@@ -4212,9 +4210,9 @@
           <p:nvPr/>
         </p:nvCxnSpPr>
         <p:spPr>
-          <a:xfrm>
-            <a:off x="3021935" y="2514600"/>
-            <a:ext cx="2796585" cy="0"/>
+          <a:xfrm flipV="1">
+            <a:off x="2031335" y="2938403"/>
+            <a:ext cx="4596100" cy="1311"/>
           </a:xfrm>
           <a:prstGeom prst="straightConnector1">
             <a:avLst/>
@@ -4246,14 +4244,13 @@
           <p:cNvPr id="35" name="Straight Arrow Connector 34"/>
           <p:cNvCxnSpPr>
             <a:cxnSpLocks/>
-            <a:endCxn id="18" idx="2"/>
           </p:cNvCxnSpPr>
           <p:nvPr/>
         </p:nvCxnSpPr>
         <p:spPr>
           <a:xfrm>
-            <a:off x="1399925" y="3101049"/>
-            <a:ext cx="1554556" cy="0"/>
+            <a:off x="396927" y="3415170"/>
+            <a:ext cx="1574537" cy="21650"/>
           </a:xfrm>
           <a:prstGeom prst="straightConnector1">
             <a:avLst/>
@@ -4293,8 +4290,8 @@
         </p:nvCxnSpPr>
         <p:spPr>
           <a:xfrm>
-            <a:off x="303463" y="3143867"/>
-            <a:ext cx="988098" cy="4392"/>
+            <a:off x="-669457" y="3483301"/>
+            <a:ext cx="974436" cy="0"/>
           </a:xfrm>
           <a:prstGeom prst="straightConnector1">
             <a:avLst/>
@@ -4331,20 +4328,20 @@
         </p:nvSpPr>
         <p:spPr>
           <a:xfrm>
-            <a:off x="6991335" y="601632"/>
+            <a:off x="7239000" y="1077825"/>
             <a:ext cx="1371600" cy="346760"/>
           </a:xfrm>
           <a:prstGeom prst="rect">
             <a:avLst/>
           </a:prstGeom>
           <a:solidFill>
-            <a:schemeClr val="accent5">
+            <a:schemeClr val="accent2">
               <a:lumMod val="75000"/>
             </a:schemeClr>
           </a:solidFill>
           <a:ln w="19050">
             <a:solidFill>
-              <a:schemeClr val="accent5">
+              <a:schemeClr val="accent2">
                 <a:lumMod val="75000"/>
               </a:schemeClr>
             </a:solidFill>
@@ -4371,20 +4368,12 @@
           <a:p>
             <a:pPr algn="ctr"/>
             <a:r>
-              <a:rPr lang="en-US" sz="1600" dirty="0">
+              <a:rPr lang="en-US" sz="1600" smtClean="0">
                 <a:solidFill>
                   <a:schemeClr val="bg1"/>
                 </a:solidFill>
               </a:rPr>
-              <a:t>:</a:t>
-            </a:r>
-            <a:r>
-              <a:rPr lang="en-US" sz="1600" dirty="0" err="1">
-                <a:solidFill>
-                  <a:schemeClr val="bg1"/>
-                </a:solidFill>
-              </a:rPr>
-              <a:t>EventsCenter</a:t>
+              <a:t>:Network</a:t>
             </a:r>
             <a:endParaRPr lang="en-SG" sz="1600" dirty="0">
               <a:solidFill>
@@ -4404,7 +4393,7 @@
         </p:nvCxnSpPr>
         <p:spPr>
           <a:xfrm>
-            <a:off x="7719508" y="914214"/>
+            <a:off x="7967173" y="1390407"/>
             <a:ext cx="0" cy="2419593"/>
           </a:xfrm>
           <a:prstGeom prst="line">
@@ -4412,7 +4401,7 @@
           </a:prstGeom>
           <a:ln w="19050">
             <a:solidFill>
-              <a:schemeClr val="accent5">
+              <a:schemeClr val="accent2">
                 <a:lumMod val="75000"/>
               </a:schemeClr>
             </a:solidFill>
@@ -4444,9 +4433,9 @@
           <p:nvPr/>
         </p:nvCxnSpPr>
         <p:spPr>
-          <a:xfrm flipH="1">
-            <a:off x="297588" y="1099672"/>
-            <a:ext cx="16830" cy="2527013"/>
+          <a:xfrm>
+            <a:off x="-676182" y="1099672"/>
+            <a:ext cx="6725" cy="2634128"/>
           </a:xfrm>
           <a:prstGeom prst="line">
             <a:avLst/>
@@ -4488,7 +4477,7 @@
         </p:nvSpPr>
         <p:spPr>
           <a:xfrm>
-            <a:off x="3863151" y="601632"/>
+            <a:off x="2872551" y="601632"/>
             <a:ext cx="1610192" cy="346760"/>
           </a:xfrm>
           <a:prstGeom prst="rect">
@@ -4563,7 +4552,7 @@
         </p:nvCxnSpPr>
         <p:spPr>
           <a:xfrm>
-            <a:off x="4638333" y="921641"/>
+            <a:off x="3647733" y="921641"/>
             <a:ext cx="0" cy="2561660"/>
           </a:xfrm>
           <a:prstGeom prst="line">
@@ -4606,8 +4595,8 @@
         </p:nvSpPr>
         <p:spPr>
           <a:xfrm>
-            <a:off x="4549718" y="1501908"/>
-            <a:ext cx="181646" cy="632569"/>
+            <a:off x="3559118" y="1501907"/>
+            <a:ext cx="176777" cy="1109465"/>
           </a:xfrm>
           <a:prstGeom prst="rect">
             <a:avLst/>
@@ -4665,8 +4654,8 @@
         </p:nvCxnSpPr>
         <p:spPr>
           <a:xfrm flipV="1">
-            <a:off x="3003400" y="1501908"/>
-            <a:ext cx="1659467" cy="7852"/>
+            <a:off x="2012800" y="1501908"/>
+            <a:ext cx="1588650" cy="7852"/>
           </a:xfrm>
           <a:prstGeom prst="straightConnector1">
             <a:avLst/>
@@ -4707,7 +4696,7 @@
         </p:nvSpPr>
         <p:spPr>
           <a:xfrm>
-            <a:off x="3165901" y="1508787"/>
+            <a:off x="2201393" y="1071693"/>
             <a:ext cx="1909835" cy="430887"/>
           </a:xfrm>
           <a:prstGeom prst="rect">
@@ -4782,7 +4771,7 @@
         </p:nvSpPr>
         <p:spPr>
           <a:xfrm>
-            <a:off x="5036330" y="1288448"/>
+            <a:off x="5825611" y="1865962"/>
             <a:ext cx="1794389" cy="346760"/>
           </a:xfrm>
           <a:prstGeom prst="rect">
@@ -4847,7 +4836,7 @@
         </p:nvSpPr>
         <p:spPr>
           <a:xfrm>
-            <a:off x="5819226" y="1646489"/>
+            <a:off x="6608507" y="2173685"/>
             <a:ext cx="212951" cy="258511"/>
           </a:xfrm>
           <a:prstGeom prst="rect">
@@ -4906,7 +4895,7 @@
         </p:nvCxnSpPr>
         <p:spPr>
           <a:xfrm>
-            <a:off x="4734856" y="1591917"/>
+            <a:off x="3744256" y="1591917"/>
             <a:ext cx="301473" cy="0"/>
           </a:xfrm>
           <a:prstGeom prst="straightConnector1">
@@ -4951,8 +4940,8 @@
         </p:nvCxnSpPr>
         <p:spPr>
           <a:xfrm flipH="1">
-            <a:off x="5924116" y="1740355"/>
-            <a:ext cx="19484" cy="1263531"/>
+            <a:off x="6723262" y="2173289"/>
+            <a:ext cx="9620" cy="1192481"/>
           </a:xfrm>
           <a:prstGeom prst="line">
             <a:avLst/>
@@ -4995,9 +4984,9 @@
           <p:nvPr/>
         </p:nvCxnSpPr>
         <p:spPr>
-          <a:xfrm flipV="1">
-            <a:off x="4761726" y="1908301"/>
-            <a:ext cx="1182636" cy="3626"/>
+          <a:xfrm>
+            <a:off x="5040955" y="2432196"/>
+            <a:ext cx="1758404" cy="0"/>
           </a:xfrm>
           <a:prstGeom prst="straightConnector1">
             <a:avLst/>
@@ -5040,7 +5029,7 @@
         </p:nvSpPr>
         <p:spPr>
           <a:xfrm>
-            <a:off x="5106097" y="1681999"/>
+            <a:off x="5782914" y="2226254"/>
             <a:ext cx="1424846" cy="215444"/>
           </a:xfrm>
           <a:prstGeom prst="rect">
@@ -5081,8 +5070,8 @@
         </p:nvCxnSpPr>
         <p:spPr>
           <a:xfrm>
-            <a:off x="3061746" y="2133600"/>
-            <a:ext cx="1530304" cy="0"/>
+            <a:off x="2011140" y="2591699"/>
+            <a:ext cx="1570115" cy="10185"/>
           </a:xfrm>
           <a:prstGeom prst="straightConnector1">
             <a:avLst/>
@@ -5125,7 +5114,7 @@
         </p:nvSpPr>
         <p:spPr>
           <a:xfrm>
-            <a:off x="4118397" y="1911862"/>
+            <a:off x="2805488" y="2362200"/>
             <a:ext cx="216849" cy="215444"/>
           </a:xfrm>
           <a:prstGeom prst="rect">
@@ -5164,7 +5153,7 @@
         </p:nvSpPr>
         <p:spPr>
           <a:xfrm>
-            <a:off x="3226442" y="2288490"/>
+            <a:off x="3909154" y="2722959"/>
             <a:ext cx="1424846" cy="215444"/>
           </a:xfrm>
           <a:prstGeom prst="rect">
@@ -5203,8 +5192,8 @@
         </p:nvSpPr>
         <p:spPr>
           <a:xfrm>
-            <a:off x="5838154" y="2491632"/>
-            <a:ext cx="171924" cy="512254"/>
+            <a:off x="6627434" y="2924566"/>
+            <a:ext cx="191655" cy="441204"/>
           </a:xfrm>
           <a:prstGeom prst="rect">
             <a:avLst/>
@@ -5262,8 +5251,8 @@
         </p:nvCxnSpPr>
         <p:spPr>
           <a:xfrm>
-            <a:off x="5846620" y="2601884"/>
-            <a:ext cx="1809579" cy="0"/>
+            <a:off x="6781800" y="3048000"/>
+            <a:ext cx="1152730" cy="0"/>
           </a:xfrm>
           <a:prstGeom prst="straightConnector1">
             <a:avLst/>
@@ -5304,20 +5293,20 @@
         </p:nvSpPr>
         <p:spPr>
           <a:xfrm>
-            <a:off x="7656199" y="2559723"/>
-            <a:ext cx="138747" cy="346761"/>
+            <a:off x="7903864" y="3035916"/>
+            <a:ext cx="131183" cy="271488"/>
           </a:xfrm>
           <a:prstGeom prst="rect">
             <a:avLst/>
           </a:prstGeom>
           <a:solidFill>
-            <a:schemeClr val="accent5">
+            <a:schemeClr val="accent2">
               <a:lumMod val="75000"/>
             </a:schemeClr>
           </a:solidFill>
           <a:ln>
             <a:solidFill>
-              <a:schemeClr val="accent5">
+              <a:schemeClr val="accent2">
                 <a:lumMod val="75000"/>
               </a:schemeClr>
             </a:solidFill>
@@ -5366,16 +5355,16 @@
           <p:nvPr/>
         </p:nvCxnSpPr>
         <p:spPr>
-          <a:xfrm flipV="1">
-            <a:off x="6032177" y="2900182"/>
-            <a:ext cx="1624022" cy="6302"/>
+          <a:xfrm>
+            <a:off x="6812419" y="3306477"/>
+            <a:ext cx="1122643" cy="0"/>
           </a:xfrm>
           <a:prstGeom prst="straightConnector1">
             <a:avLst/>
           </a:prstGeom>
           <a:ln w="19050">
             <a:solidFill>
-              <a:schemeClr val="accent5">
+              <a:schemeClr val="accent2">
                 <a:lumMod val="75000"/>
               </a:schemeClr>
             </a:solidFill>
@@ -5413,8 +5402,8 @@
         </p:nvSpPr>
         <p:spPr>
           <a:xfrm>
-            <a:off x="6247481" y="2123415"/>
-            <a:ext cx="1143919" cy="430887"/>
+            <a:off x="6921177" y="2577644"/>
+            <a:ext cx="1017379" cy="430887"/>
           </a:xfrm>
           <a:prstGeom prst="rect">
             <a:avLst/>
@@ -5428,18 +5417,18 @@
           <a:lstStyle/>
           <a:p>
             <a:r>
-              <a:rPr lang="en-US" sz="1400">
+              <a:rPr lang="en-US" sz="1400" smtClean="0">
                 <a:solidFill>
-                  <a:schemeClr val="accent5">
+                  <a:schemeClr val="accent2">
                     <a:lumMod val="75000"/>
                   </a:schemeClr>
                 </a:solidFill>
               </a:rPr>
-              <a:t>post(ApiSearchRequestEvent)</a:t>
+              <a:t>searchBooks(parameters)</a:t>
             </a:r>
             <a:endParaRPr lang="en-US" sz="1400" dirty="0">
               <a:solidFill>
-                <a:schemeClr val="accent5">
+                <a:schemeClr val="accent2">
                   <a:lumMod val="75000"/>
                 </a:schemeClr>
               </a:solidFill>
@@ -5463,8 +5452,8 @@
         </p:nvCxnSpPr>
         <p:spPr>
           <a:xfrm>
-            <a:off x="3061746" y="2971800"/>
-            <a:ext cx="2751861" cy="0"/>
+            <a:off x="2031335" y="3352800"/>
+            <a:ext cx="4682062" cy="7820"/>
           </a:xfrm>
           <a:prstGeom prst="straightConnector1">
             <a:avLst/>
@@ -5493,6 +5482,595 @@
           </a:fontRef>
         </p:style>
       </p:cxnSp>
+      <p:sp>
+        <p:nvSpPr>
+          <p:cNvPr id="53" name="Rectangle 62">
+            <a:extLst>
+              <a:ext uri="{FF2B5EF4-FFF2-40B4-BE49-F238E27FC236}">
+                <a16:creationId xmlns:a16="http://schemas.microsoft.com/office/drawing/2014/main" id="{0C2E732D-31CA-499E-9D82-84A33E01732A}"/>
+              </a:ext>
+            </a:extLst>
+          </p:cNvPr>
+          <p:cNvSpPr/>
+          <p:nvPr/>
+        </p:nvSpPr>
+        <p:spPr>
+          <a:xfrm>
+            <a:off x="4038766" y="1106810"/>
+            <a:ext cx="1794389" cy="504247"/>
+          </a:xfrm>
+          <a:prstGeom prst="rect">
+            <a:avLst/>
+          </a:prstGeom>
+          <a:solidFill>
+            <a:srgbClr val="0070C0"/>
+          </a:solidFill>
+          <a:ln w="19050">
+            <a:solidFill>
+              <a:srgbClr val="0070C0"/>
+            </a:solidFill>
+          </a:ln>
+          <a:effectLst/>
+        </p:spPr>
+        <p:style>
+          <a:lnRef idx="1">
+            <a:schemeClr val="accent2"/>
+          </a:lnRef>
+          <a:fillRef idx="2">
+            <a:schemeClr val="accent2"/>
+          </a:fillRef>
+          <a:effectRef idx="1">
+            <a:schemeClr val="accent2"/>
+          </a:effectRef>
+          <a:fontRef idx="minor">
+            <a:schemeClr val="dk1"/>
+          </a:fontRef>
+        </p:style>
+        <p:txBody>
+          <a:bodyPr rtlCol="0" anchor="ctr"/>
+          <a:lstStyle/>
+          <a:p>
+            <a:pPr algn="ctr"/>
+            <a:r>
+              <a:rPr lang="en-US" sz="1600">
+                <a:solidFill>
+                  <a:schemeClr val="bg1"/>
+                </a:solidFill>
+              </a:rPr>
+              <a:t>p</a:t>
+            </a:r>
+            <a:r>
+              <a:rPr lang="en-US" sz="1600" smtClean="0">
+                <a:solidFill>
+                  <a:schemeClr val="bg1"/>
+                </a:solidFill>
+              </a:rPr>
+              <a:t>:SearchCommandParser</a:t>
+            </a:r>
+            <a:endParaRPr lang="en-SG" sz="1600" dirty="0">
+              <a:solidFill>
+                <a:schemeClr val="bg1"/>
+              </a:solidFill>
+            </a:endParaRPr>
+          </a:p>
+        </p:txBody>
+      </p:sp>
+      <p:sp>
+        <p:nvSpPr>
+          <p:cNvPr id="54" name="Rectangle 53">
+            <a:extLst>
+              <a:ext uri="{FF2B5EF4-FFF2-40B4-BE49-F238E27FC236}">
+                <a16:creationId xmlns:a16="http://schemas.microsoft.com/office/drawing/2014/main" id="{0A2F14EC-566D-4F44-A664-FD80D5B680B5}"/>
+              </a:ext>
+            </a:extLst>
+          </p:cNvPr>
+          <p:cNvSpPr/>
+          <p:nvPr/>
+        </p:nvSpPr>
+        <p:spPr>
+          <a:xfrm>
+            <a:off x="4821662" y="1622338"/>
+            <a:ext cx="238487" cy="201035"/>
+          </a:xfrm>
+          <a:prstGeom prst="rect">
+            <a:avLst/>
+          </a:prstGeom>
+          <a:solidFill>
+            <a:srgbClr val="0070C0"/>
+          </a:solidFill>
+          <a:ln>
+            <a:solidFill>
+              <a:srgbClr val="0070C0"/>
+            </a:solidFill>
+          </a:ln>
+          <a:effectLst/>
+        </p:spPr>
+        <p:style>
+          <a:lnRef idx="1">
+            <a:schemeClr val="accent3"/>
+          </a:lnRef>
+          <a:fillRef idx="2">
+            <a:schemeClr val="accent3"/>
+          </a:fillRef>
+          <a:effectRef idx="1">
+            <a:schemeClr val="accent3"/>
+          </a:effectRef>
+          <a:fontRef idx="minor">
+            <a:schemeClr val="dk1"/>
+          </a:fontRef>
+        </p:style>
+        <p:txBody>
+          <a:bodyPr rtlCol="0" anchor="ctr"/>
+          <a:lstStyle/>
+          <a:p>
+            <a:pPr algn="ctr"/>
+            <a:endParaRPr lang="en-SG" sz="1400">
+              <a:solidFill>
+                <a:schemeClr val="dk1"/>
+              </a:solidFill>
+            </a:endParaRPr>
+          </a:p>
+        </p:txBody>
+      </p:sp>
+      <p:cxnSp>
+        <p:nvCxnSpPr>
+          <p:cNvPr id="55" name="Straight Connector 54">
+            <a:extLst>
+              <a:ext uri="{FF2B5EF4-FFF2-40B4-BE49-F238E27FC236}">
+                <a16:creationId xmlns:a16="http://schemas.microsoft.com/office/drawing/2014/main" id="{401B15F7-3F4E-42C3-8211-E91F7186081C}"/>
+              </a:ext>
+            </a:extLst>
+          </p:cNvPr>
+          <p:cNvCxnSpPr>
+            <a:cxnSpLocks/>
+            <a:endCxn id="58" idx="2"/>
+          </p:cNvCxnSpPr>
+          <p:nvPr/>
+        </p:nvCxnSpPr>
+        <p:spPr>
+          <a:xfrm flipH="1">
+            <a:off x="4938696" y="1403469"/>
+            <a:ext cx="16300" cy="1099766"/>
+          </a:xfrm>
+          <a:prstGeom prst="line">
+            <a:avLst/>
+          </a:prstGeom>
+          <a:ln w="19050">
+            <a:solidFill>
+              <a:srgbClr val="0070C0"/>
+            </a:solidFill>
+            <a:prstDash val="sysDash"/>
+          </a:ln>
+          <a:effectLst/>
+        </p:spPr>
+        <p:style>
+          <a:lnRef idx="1">
+            <a:schemeClr val="accent1"/>
+          </a:lnRef>
+          <a:fillRef idx="2">
+            <a:schemeClr val="accent1"/>
+          </a:fillRef>
+          <a:effectRef idx="1">
+            <a:schemeClr val="accent1"/>
+          </a:effectRef>
+          <a:fontRef idx="minor">
+            <a:schemeClr val="dk1"/>
+          </a:fontRef>
+        </p:style>
+      </p:cxnSp>
+      <p:cxnSp>
+        <p:nvCxnSpPr>
+          <p:cNvPr id="56" name="Straight Arrow Connector 55">
+            <a:extLst>
+              <a:ext uri="{FF2B5EF4-FFF2-40B4-BE49-F238E27FC236}">
+                <a16:creationId xmlns:a16="http://schemas.microsoft.com/office/drawing/2014/main" id="{A6315558-48B3-49D0-A173-08BF372633A2}"/>
+              </a:ext>
+            </a:extLst>
+          </p:cNvPr>
+          <p:cNvCxnSpPr>
+            <a:cxnSpLocks/>
+          </p:cNvCxnSpPr>
+          <p:nvPr/>
+        </p:nvCxnSpPr>
+        <p:spPr>
+          <a:xfrm>
+            <a:off x="3733800" y="1820072"/>
+            <a:ext cx="1212998" cy="3301"/>
+          </a:xfrm>
+          <a:prstGeom prst="straightConnector1">
+            <a:avLst/>
+          </a:prstGeom>
+          <a:ln w="19050">
+            <a:solidFill>
+              <a:srgbClr val="0070C0"/>
+            </a:solidFill>
+            <a:prstDash val="sysDash"/>
+            <a:headEnd type="arrow" w="med" len="med"/>
+            <a:tailEnd type="none" w="med" len="med"/>
+          </a:ln>
+        </p:spPr>
+        <p:style>
+          <a:lnRef idx="1">
+            <a:schemeClr val="accent1"/>
+          </a:lnRef>
+          <a:fillRef idx="0">
+            <a:schemeClr val="accent1"/>
+          </a:fillRef>
+          <a:effectRef idx="0">
+            <a:schemeClr val="accent1"/>
+          </a:effectRef>
+          <a:fontRef idx="minor">
+            <a:schemeClr val="tx1"/>
+          </a:fontRef>
+        </p:style>
+      </p:cxnSp>
+      <p:sp>
+        <p:nvSpPr>
+          <p:cNvPr id="57" name="TextBox 56">
+            <a:extLst>
+              <a:ext uri="{FF2B5EF4-FFF2-40B4-BE49-F238E27FC236}">
+                <a16:creationId xmlns:a16="http://schemas.microsoft.com/office/drawing/2014/main" id="{96F0C2F2-4E9E-4251-91A5-DD460A34EDE6}"/>
+              </a:ext>
+            </a:extLst>
+          </p:cNvPr>
+          <p:cNvSpPr txBox="1"/>
+          <p:nvPr/>
+        </p:nvSpPr>
+        <p:spPr>
+          <a:xfrm>
+            <a:off x="4246248" y="1600200"/>
+            <a:ext cx="1424846" cy="215444"/>
+          </a:xfrm>
+          <a:prstGeom prst="rect">
+            <a:avLst/>
+          </a:prstGeom>
+          <a:noFill/>
+        </p:spPr>
+        <p:txBody>
+          <a:bodyPr wrap="square" lIns="0" tIns="0" rIns="0" bIns="0" rtlCol="0">
+            <a:spAutoFit/>
+          </a:bodyPr>
+          <a:lstStyle/>
+          <a:p>
+            <a:r>
+              <a:rPr lang="en-US" sz="1400">
+                <a:solidFill>
+                  <a:srgbClr val="0070C0"/>
+                </a:solidFill>
+              </a:rPr>
+              <a:t>p</a:t>
+            </a:r>
+            <a:endParaRPr lang="en-US" sz="1400" dirty="0">
+              <a:solidFill>
+                <a:srgbClr val="0070C0"/>
+              </a:solidFill>
+            </a:endParaRPr>
+          </a:p>
+        </p:txBody>
+      </p:sp>
+      <p:sp>
+        <p:nvSpPr>
+          <p:cNvPr id="58" name="Rectangle 57">
+            <a:extLst>
+              <a:ext uri="{FF2B5EF4-FFF2-40B4-BE49-F238E27FC236}">
+                <a16:creationId xmlns:a16="http://schemas.microsoft.com/office/drawing/2014/main" id="{47D05AB3-500E-4BA9-AA6C-CB3C82FD5233}"/>
+              </a:ext>
+            </a:extLst>
+          </p:cNvPr>
+          <p:cNvSpPr/>
+          <p:nvPr/>
+        </p:nvSpPr>
+        <p:spPr>
+          <a:xfrm>
+            <a:off x="4849547" y="2154747"/>
+            <a:ext cx="178297" cy="348488"/>
+          </a:xfrm>
+          <a:prstGeom prst="rect">
+            <a:avLst/>
+          </a:prstGeom>
+          <a:solidFill>
+            <a:srgbClr val="0070C0"/>
+          </a:solidFill>
+          <a:ln>
+            <a:solidFill>
+              <a:srgbClr val="0070C0"/>
+            </a:solidFill>
+          </a:ln>
+          <a:effectLst/>
+        </p:spPr>
+        <p:style>
+          <a:lnRef idx="1">
+            <a:schemeClr val="accent3"/>
+          </a:lnRef>
+          <a:fillRef idx="2">
+            <a:schemeClr val="accent3"/>
+          </a:fillRef>
+          <a:effectRef idx="1">
+            <a:schemeClr val="accent3"/>
+          </a:effectRef>
+          <a:fontRef idx="minor">
+            <a:schemeClr val="dk1"/>
+          </a:fontRef>
+        </p:style>
+        <p:txBody>
+          <a:bodyPr rtlCol="0" anchor="ctr"/>
+          <a:lstStyle/>
+          <a:p>
+            <a:pPr algn="ctr"/>
+            <a:endParaRPr lang="en-SG" sz="1400">
+              <a:solidFill>
+                <a:schemeClr val="dk1"/>
+              </a:solidFill>
+            </a:endParaRPr>
+          </a:p>
+        </p:txBody>
+      </p:sp>
+      <p:cxnSp>
+        <p:nvCxnSpPr>
+          <p:cNvPr id="59" name="Straight Arrow Connector 58">
+            <a:extLst>
+              <a:ext uri="{FF2B5EF4-FFF2-40B4-BE49-F238E27FC236}">
+                <a16:creationId xmlns:a16="http://schemas.microsoft.com/office/drawing/2014/main" id="{D5252154-5DC0-4844-92E3-71CDF21441F8}"/>
+              </a:ext>
+            </a:extLst>
+          </p:cNvPr>
+          <p:cNvCxnSpPr>
+            <a:cxnSpLocks/>
+          </p:cNvCxnSpPr>
+          <p:nvPr/>
+        </p:nvCxnSpPr>
+        <p:spPr>
+          <a:xfrm>
+            <a:off x="3733800" y="2154746"/>
+            <a:ext cx="1115747" cy="0"/>
+          </a:xfrm>
+          <a:prstGeom prst="straightConnector1">
+            <a:avLst/>
+          </a:prstGeom>
+          <a:ln w="19050">
+            <a:solidFill>
+              <a:srgbClr val="0070C0"/>
+            </a:solidFill>
+            <a:tailEnd type="arrow"/>
+          </a:ln>
+        </p:spPr>
+        <p:style>
+          <a:lnRef idx="1">
+            <a:schemeClr val="accent1"/>
+          </a:lnRef>
+          <a:fillRef idx="0">
+            <a:schemeClr val="accent1"/>
+          </a:fillRef>
+          <a:effectRef idx="0">
+            <a:schemeClr val="accent1"/>
+          </a:effectRef>
+          <a:fontRef idx="minor">
+            <a:schemeClr val="tx1"/>
+          </a:fontRef>
+        </p:style>
+      </p:cxnSp>
+      <p:sp>
+        <p:nvSpPr>
+          <p:cNvPr id="66" name="TextBox 65">
+            <a:extLst>
+              <a:ext uri="{FF2B5EF4-FFF2-40B4-BE49-F238E27FC236}">
+                <a16:creationId xmlns:a16="http://schemas.microsoft.com/office/drawing/2014/main" id="{041428EA-CD22-45E5-A62F-38070D093C5C}"/>
+              </a:ext>
+            </a:extLst>
+          </p:cNvPr>
+          <p:cNvSpPr txBox="1"/>
+          <p:nvPr/>
+        </p:nvSpPr>
+        <p:spPr>
+          <a:xfrm>
+            <a:off x="3929374" y="1936557"/>
+            <a:ext cx="939657" cy="215444"/>
+          </a:xfrm>
+          <a:prstGeom prst="rect">
+            <a:avLst/>
+          </a:prstGeom>
+          <a:noFill/>
+        </p:spPr>
+        <p:txBody>
+          <a:bodyPr wrap="square" lIns="0" tIns="0" rIns="0" bIns="0" rtlCol="0">
+            <a:spAutoFit/>
+          </a:bodyPr>
+          <a:lstStyle/>
+          <a:p>
+            <a:r>
+              <a:rPr lang="en-US" sz="1400" smtClean="0">
+                <a:solidFill>
+                  <a:srgbClr val="0070C0"/>
+                </a:solidFill>
+              </a:rPr>
+              <a:t>parse(args)</a:t>
+            </a:r>
+            <a:endParaRPr lang="en-US" sz="1400" dirty="0">
+              <a:solidFill>
+                <a:srgbClr val="0070C0"/>
+              </a:solidFill>
+            </a:endParaRPr>
+          </a:p>
+        </p:txBody>
+      </p:sp>
+      <p:cxnSp>
+        <p:nvCxnSpPr>
+          <p:cNvPr id="67" name="Straight Arrow Connector 66">
+            <a:extLst>
+              <a:ext uri="{FF2B5EF4-FFF2-40B4-BE49-F238E27FC236}">
+                <a16:creationId xmlns:a16="http://schemas.microsoft.com/office/drawing/2014/main" id="{D5252154-5DC0-4844-92E3-71CDF21441F8}"/>
+              </a:ext>
+            </a:extLst>
+          </p:cNvPr>
+          <p:cNvCxnSpPr>
+            <a:cxnSpLocks/>
+          </p:cNvCxnSpPr>
+          <p:nvPr/>
+        </p:nvCxnSpPr>
+        <p:spPr>
+          <a:xfrm>
+            <a:off x="5021426" y="2209800"/>
+            <a:ext cx="801252" cy="0"/>
+          </a:xfrm>
+          <a:prstGeom prst="straightConnector1">
+            <a:avLst/>
+          </a:prstGeom>
+          <a:ln w="19050">
+            <a:solidFill>
+              <a:srgbClr val="0070C0"/>
+            </a:solidFill>
+            <a:tailEnd type="arrow"/>
+          </a:ln>
+        </p:spPr>
+        <p:style>
+          <a:lnRef idx="1">
+            <a:schemeClr val="accent1"/>
+          </a:lnRef>
+          <a:fillRef idx="0">
+            <a:schemeClr val="accent1"/>
+          </a:fillRef>
+          <a:effectRef idx="0">
+            <a:schemeClr val="accent1"/>
+          </a:effectRef>
+          <a:fontRef idx="minor">
+            <a:schemeClr val="tx1"/>
+          </a:fontRef>
+        </p:style>
+      </p:cxnSp>
+      <p:cxnSp>
+        <p:nvCxnSpPr>
+          <p:cNvPr id="68" name="Straight Arrow Connector 67">
+            <a:extLst>
+              <a:ext uri="{FF2B5EF4-FFF2-40B4-BE49-F238E27FC236}">
+                <a16:creationId xmlns:a16="http://schemas.microsoft.com/office/drawing/2014/main" id="{A6315558-48B3-49D0-A173-08BF372633A2}"/>
+              </a:ext>
+            </a:extLst>
+          </p:cNvPr>
+          <p:cNvCxnSpPr>
+            <a:cxnSpLocks/>
+          </p:cNvCxnSpPr>
+          <p:nvPr/>
+        </p:nvCxnSpPr>
+        <p:spPr>
+          <a:xfrm>
+            <a:off x="3731290" y="2503235"/>
+            <a:ext cx="1212998" cy="3301"/>
+          </a:xfrm>
+          <a:prstGeom prst="straightConnector1">
+            <a:avLst/>
+          </a:prstGeom>
+          <a:ln w="19050">
+            <a:solidFill>
+              <a:srgbClr val="0070C0"/>
+            </a:solidFill>
+            <a:prstDash val="sysDash"/>
+            <a:headEnd type="arrow" w="med" len="med"/>
+            <a:tailEnd type="none" w="med" len="med"/>
+          </a:ln>
+        </p:spPr>
+        <p:style>
+          <a:lnRef idx="1">
+            <a:schemeClr val="accent1"/>
+          </a:lnRef>
+          <a:fillRef idx="0">
+            <a:schemeClr val="accent1"/>
+          </a:fillRef>
+          <a:effectRef idx="0">
+            <a:schemeClr val="accent1"/>
+          </a:effectRef>
+          <a:fontRef idx="minor">
+            <a:schemeClr val="tx1"/>
+          </a:fontRef>
+        </p:style>
+      </p:cxnSp>
+      <p:sp>
+        <p:nvSpPr>
+          <p:cNvPr id="69" name="TextBox 68">
+            <a:extLst>
+              <a:ext uri="{FF2B5EF4-FFF2-40B4-BE49-F238E27FC236}">
+                <a16:creationId xmlns:a16="http://schemas.microsoft.com/office/drawing/2014/main" id="{96F0C2F2-4E9E-4251-91A5-DD460A34EDE6}"/>
+              </a:ext>
+            </a:extLst>
+          </p:cNvPr>
+          <p:cNvSpPr txBox="1"/>
+          <p:nvPr/>
+        </p:nvSpPr>
+        <p:spPr>
+          <a:xfrm>
+            <a:off x="4271140" y="2286000"/>
+            <a:ext cx="353735" cy="215444"/>
+          </a:xfrm>
+          <a:prstGeom prst="rect">
+            <a:avLst/>
+          </a:prstGeom>
+          <a:noFill/>
+        </p:spPr>
+        <p:txBody>
+          <a:bodyPr wrap="square" lIns="0" tIns="0" rIns="0" bIns="0" rtlCol="0">
+            <a:spAutoFit/>
+          </a:bodyPr>
+          <a:lstStyle/>
+          <a:p>
+            <a:r>
+              <a:rPr lang="en-US" sz="1400" smtClean="0">
+                <a:solidFill>
+                  <a:srgbClr val="0070C0"/>
+                </a:solidFill>
+              </a:rPr>
+              <a:t>r</a:t>
+            </a:r>
+            <a:endParaRPr lang="en-US" sz="1400" dirty="0">
+              <a:solidFill>
+                <a:srgbClr val="0070C0"/>
+              </a:solidFill>
+            </a:endParaRPr>
+          </a:p>
+        </p:txBody>
+      </p:sp>
+      <p:sp>
+        <p:nvSpPr>
+          <p:cNvPr id="72" name="TextBox 71">
+            <a:extLst>
+              <a:ext uri="{FF2B5EF4-FFF2-40B4-BE49-F238E27FC236}">
+                <a16:creationId xmlns:a16="http://schemas.microsoft.com/office/drawing/2014/main" id="{96F0C2F2-4E9E-4251-91A5-DD460A34EDE6}"/>
+              </a:ext>
+            </a:extLst>
+          </p:cNvPr>
+          <p:cNvSpPr txBox="1"/>
+          <p:nvPr/>
+        </p:nvSpPr>
+        <p:spPr>
+          <a:xfrm>
+            <a:off x="5037986" y="1984854"/>
+            <a:ext cx="1424846" cy="215444"/>
+          </a:xfrm>
+          <a:prstGeom prst="rect">
+            <a:avLst/>
+          </a:prstGeom>
+          <a:noFill/>
+        </p:spPr>
+        <p:txBody>
+          <a:bodyPr wrap="square" lIns="0" tIns="0" rIns="0" bIns="0" rtlCol="0">
+            <a:spAutoFit/>
+          </a:bodyPr>
+          <a:lstStyle/>
+          <a:p>
+            <a:r>
+              <a:rPr lang="en-US" sz="1400" smtClean="0">
+                <a:solidFill>
+                  <a:srgbClr val="0070C0"/>
+                </a:solidFill>
+              </a:rPr>
+              <a:t>descriptor</a:t>
+            </a:r>
+            <a:endParaRPr lang="en-US" sz="1400" dirty="0">
+              <a:solidFill>
+                <a:srgbClr val="0070C0"/>
+              </a:solidFill>
+            </a:endParaRPr>
+          </a:p>
+        </p:txBody>
+      </p:sp>
     </p:spTree>
     <p:extLst>
       <p:ext uri="{BB962C8B-B14F-4D97-AF65-F5344CB8AC3E}">

--- a/docs/diagrams/SearchCommandSequenceDiagram.pptx
+++ b/docs/diagrams/SearchCommandSequenceDiagram.pptx
@@ -208,7 +208,7 @@
           <a:p>
             <a:fld id="{F5CC4B3F-88C1-4FFA-B1B6-F41C21DC6924}" type="datetimeFigureOut">
               <a:rPr lang="en-US" smtClean="0"/>
-              <a:t>3/29/2018</a:t>
+              <a:t>4/15/2018</a:t>
             </a:fld>
             <a:endParaRPr lang="en-US"/>
           </a:p>
@@ -738,7 +738,7 @@
           <a:p>
             <a:fld id="{78C97017-6FC3-485B-9764-EAC9E56C1D49}" type="datetimeFigureOut">
               <a:rPr lang="en-US" smtClean="0"/>
-              <a:t>3/29/2018</a:t>
+              <a:t>4/15/2018</a:t>
             </a:fld>
             <a:endParaRPr lang="en-US"/>
           </a:p>
@@ -906,7 +906,7 @@
           <a:p>
             <a:fld id="{78C97017-6FC3-485B-9764-EAC9E56C1D49}" type="datetimeFigureOut">
               <a:rPr lang="en-US" smtClean="0"/>
-              <a:t>3/29/2018</a:t>
+              <a:t>4/15/2018</a:t>
             </a:fld>
             <a:endParaRPr lang="en-US"/>
           </a:p>
@@ -1084,7 +1084,7 @@
           <a:p>
             <a:fld id="{78C97017-6FC3-485B-9764-EAC9E56C1D49}" type="datetimeFigureOut">
               <a:rPr lang="en-US" smtClean="0"/>
-              <a:t>3/29/2018</a:t>
+              <a:t>4/15/2018</a:t>
             </a:fld>
             <a:endParaRPr lang="en-US"/>
           </a:p>
@@ -1252,7 +1252,7 @@
           <a:p>
             <a:fld id="{78C97017-6FC3-485B-9764-EAC9E56C1D49}" type="datetimeFigureOut">
               <a:rPr lang="en-US" smtClean="0"/>
-              <a:t>3/29/2018</a:t>
+              <a:t>4/15/2018</a:t>
             </a:fld>
             <a:endParaRPr lang="en-US"/>
           </a:p>
@@ -1497,7 +1497,7 @@
           <a:p>
             <a:fld id="{78C97017-6FC3-485B-9764-EAC9E56C1D49}" type="datetimeFigureOut">
               <a:rPr lang="en-US" smtClean="0"/>
-              <a:t>3/29/2018</a:t>
+              <a:t>4/15/2018</a:t>
             </a:fld>
             <a:endParaRPr lang="en-US"/>
           </a:p>
@@ -1782,7 +1782,7 @@
           <a:p>
             <a:fld id="{78C97017-6FC3-485B-9764-EAC9E56C1D49}" type="datetimeFigureOut">
               <a:rPr lang="en-US" smtClean="0"/>
-              <a:t>3/29/2018</a:t>
+              <a:t>4/15/2018</a:t>
             </a:fld>
             <a:endParaRPr lang="en-US"/>
           </a:p>
@@ -2201,7 +2201,7 @@
           <a:p>
             <a:fld id="{78C97017-6FC3-485B-9764-EAC9E56C1D49}" type="datetimeFigureOut">
               <a:rPr lang="en-US" smtClean="0"/>
-              <a:t>3/29/2018</a:t>
+              <a:t>4/15/2018</a:t>
             </a:fld>
             <a:endParaRPr lang="en-US"/>
           </a:p>
@@ -2318,7 +2318,7 @@
           <a:p>
             <a:fld id="{78C97017-6FC3-485B-9764-EAC9E56C1D49}" type="datetimeFigureOut">
               <a:rPr lang="en-US" smtClean="0"/>
-              <a:t>3/29/2018</a:t>
+              <a:t>4/15/2018</a:t>
             </a:fld>
             <a:endParaRPr lang="en-US"/>
           </a:p>
@@ -2413,7 +2413,7 @@
           <a:p>
             <a:fld id="{78C97017-6FC3-485B-9764-EAC9E56C1D49}" type="datetimeFigureOut">
               <a:rPr lang="en-US" smtClean="0"/>
-              <a:t>3/29/2018</a:t>
+              <a:t>4/15/2018</a:t>
             </a:fld>
             <a:endParaRPr lang="en-US"/>
           </a:p>
@@ -2688,7 +2688,7 @@
           <a:p>
             <a:fld id="{78C97017-6FC3-485B-9764-EAC9E56C1D49}" type="datetimeFigureOut">
               <a:rPr lang="en-US" smtClean="0"/>
-              <a:t>3/29/2018</a:t>
+              <a:t>4/15/2018</a:t>
             </a:fld>
             <a:endParaRPr lang="en-US"/>
           </a:p>
@@ -2940,7 +2940,7 @@
           <a:p>
             <a:fld id="{78C97017-6FC3-485B-9764-EAC9E56C1D49}" type="datetimeFigureOut">
               <a:rPr lang="en-US" smtClean="0"/>
-              <a:t>3/29/2018</a:t>
+              <a:t>4/15/2018</a:t>
             </a:fld>
             <a:endParaRPr lang="en-US"/>
           </a:p>
@@ -3151,7 +3151,7 @@
           <a:p>
             <a:fld id="{78C97017-6FC3-485B-9764-EAC9E56C1D49}" type="datetimeFigureOut">
               <a:rPr lang="en-US" smtClean="0"/>
-              <a:t>3/29/2018</a:t>
+              <a:t>4/15/2018</a:t>
             </a:fld>
             <a:endParaRPr lang="en-US"/>
           </a:p>
@@ -4110,7 +4110,7 @@
           <a:lstStyle/>
           <a:p>
             <a:r>
-              <a:rPr lang="en-US" sz="1400" smtClean="0"/>
+              <a:rPr lang="en-US" sz="1400"/>
               <a:t>search Artemis</a:t>
             </a:r>
             <a:endParaRPr lang="en-US" sz="1400" dirty="0"/>
@@ -4183,15 +4183,7 @@
                   <a:srgbClr val="0070C0"/>
                 </a:solidFill>
               </a:rPr>
-              <a:t>execute</a:t>
-            </a:r>
-            <a:r>
-              <a:rPr lang="en-US" sz="1400" smtClean="0">
-                <a:solidFill>
-                  <a:srgbClr val="0070C0"/>
-                </a:solidFill>
-              </a:rPr>
-              <a:t>(“search Artemis”)</a:t>
+              <a:t>execute(“search Artemis”)</a:t>
             </a:r>
             <a:endParaRPr lang="en-US" sz="1400" dirty="0">
               <a:solidFill>
@@ -4328,7 +4320,7 @@
         </p:nvSpPr>
         <p:spPr>
           <a:xfrm>
-            <a:off x="7239000" y="1077825"/>
+            <a:off x="7239000" y="620625"/>
             <a:ext cx="1371600" cy="346760"/>
           </a:xfrm>
           <a:prstGeom prst="rect">
@@ -4368,7 +4360,7 @@
           <a:p>
             <a:pPr algn="ctr"/>
             <a:r>
-              <a:rPr lang="en-US" sz="1600" smtClean="0">
+              <a:rPr lang="en-US" sz="1600">
                 <a:solidFill>
                   <a:schemeClr val="bg1"/>
                 </a:solidFill>
@@ -4393,8 +4385,8 @@
         </p:nvCxnSpPr>
         <p:spPr>
           <a:xfrm>
-            <a:off x="7967173" y="1390407"/>
-            <a:ext cx="0" cy="2419593"/>
+            <a:off x="7967173" y="933207"/>
+            <a:ext cx="0" cy="2800593"/>
           </a:xfrm>
           <a:prstGeom prst="line">
             <a:avLst/>
@@ -4553,7 +4545,7 @@
         <p:spPr>
           <a:xfrm>
             <a:off x="3647733" y="921641"/>
-            <a:ext cx="0" cy="2561660"/>
+            <a:ext cx="0" cy="2812159"/>
           </a:xfrm>
           <a:prstGeom prst="line">
             <a:avLst/>
@@ -4726,14 +4718,6 @@
               </a:rPr>
               <a:t>(</a:t>
             </a:r>
-            <a:r>
-              <a:rPr lang="en-US" sz="1400">
-                <a:solidFill>
-                  <a:srgbClr val="0070C0"/>
-                </a:solidFill>
-              </a:rPr>
-              <a:t/>
-            </a:r>
             <a:br>
               <a:rPr lang="en-US" sz="1400">
                 <a:solidFill>
@@ -4742,7 +4726,7 @@
               </a:rPr>
             </a:br>
             <a:r>
-              <a:rPr lang="en-US" sz="1400" smtClean="0">
+              <a:rPr lang="en-US" sz="1400">
                 <a:solidFill>
                   <a:srgbClr val="0070C0"/>
                 </a:solidFill>
@@ -4807,7 +4791,7 @@
           <a:p>
             <a:pPr algn="ctr"/>
             <a:r>
-              <a:rPr lang="en-US" sz="1600" smtClean="0">
+              <a:rPr lang="en-US" sz="1600">
                 <a:solidFill>
                   <a:schemeClr val="bg1"/>
                 </a:solidFill>
@@ -5417,7 +5401,7 @@
           <a:lstStyle/>
           <a:p>
             <a:r>
-              <a:rPr lang="en-US" sz="1400" smtClean="0">
+              <a:rPr lang="en-US" sz="1400">
                 <a:solidFill>
                   <a:schemeClr val="accent2">
                     <a:lumMod val="75000"/>
@@ -5537,15 +5521,7 @@
                   <a:schemeClr val="bg1"/>
                 </a:solidFill>
               </a:rPr>
-              <a:t>p</a:t>
-            </a:r>
-            <a:r>
-              <a:rPr lang="en-US" sz="1600" smtClean="0">
-                <a:solidFill>
-                  <a:schemeClr val="bg1"/>
-                </a:solidFill>
-              </a:rPr>
-              <a:t>:SearchCommandParser</a:t>
+              <a:t>p:SearchCommandParser</a:t>
             </a:r>
             <a:endParaRPr lang="en-SG" sz="1600" dirty="0">
               <a:solidFill>
@@ -5878,7 +5854,7 @@
           <a:lstStyle/>
           <a:p>
             <a:r>
-              <a:rPr lang="en-US" sz="1400" smtClean="0">
+              <a:rPr lang="en-US" sz="1400">
                 <a:solidFill>
                   <a:srgbClr val="0070C0"/>
                 </a:solidFill>
@@ -6012,7 +5988,7 @@
           <a:lstStyle/>
           <a:p>
             <a:r>
-              <a:rPr lang="en-US" sz="1400" smtClean="0">
+              <a:rPr lang="en-US" sz="1400">
                 <a:solidFill>
                   <a:srgbClr val="0070C0"/>
                 </a:solidFill>
@@ -6056,7 +6032,7 @@
           <a:lstStyle/>
           <a:p>
             <a:r>
-              <a:rPr lang="en-US" sz="1400" smtClean="0">
+              <a:rPr lang="en-US" sz="1400">
                 <a:solidFill>
                   <a:srgbClr val="0070C0"/>
                 </a:solidFill>
